--- a/zemi06/report/pngpic/プレゼンテーション1.pptx
+++ b/zemi06/report/pngpic/プレゼンテーション1.pptx
@@ -8,6 +8,8 @@
     <p:sldId id="256" r:id="rId2"/>
     <p:sldId id="257" r:id="rId3"/>
     <p:sldId id="258" r:id="rId4"/>
+    <p:sldId id="259" r:id="rId5"/>
+    <p:sldId id="260" r:id="rId6"/>
   </p:sldIdLst>
   <p:sldSz cx="12192000" cy="6858000"/>
   <p:notesSz cx="6858000" cy="9144000"/>
@@ -106,6 +108,11 @@
       </a:defRPr>
     </a:lvl9pPr>
   </p:defaultTextStyle>
+  <p:extLst>
+    <p:ext uri="{EFAFB233-063F-42B5-8137-9DF3F51BA10A}">
+      <p15:sldGuideLst xmlns:p15="http://schemas.microsoft.com/office/powerpoint/2012/main"/>
+    </p:ext>
+  </p:extLst>
 </p:presentation>
 </file>
 
@@ -256,7 +263,7 @@
           <a:p>
             <a:fld id="{88AC8295-7913-44E6-9864-FCFCD2451515}" type="datetimeFigureOut">
               <a:rPr kumimoji="1" lang="ja-JP" altLang="en-US" smtClean="0"/>
-              <a:t>2022/6/10</a:t>
+              <a:t>2022/6/21</a:t>
             </a:fld>
             <a:endParaRPr kumimoji="1" lang="ja-JP" altLang="en-US"/>
           </a:p>
@@ -486,7 +493,7 @@
           <a:p>
             <a:fld id="{88AC8295-7913-44E6-9864-FCFCD2451515}" type="datetimeFigureOut">
               <a:rPr kumimoji="1" lang="ja-JP" altLang="en-US" smtClean="0"/>
-              <a:t>2022/6/10</a:t>
+              <a:t>2022/6/21</a:t>
             </a:fld>
             <a:endParaRPr kumimoji="1" lang="ja-JP" altLang="en-US"/>
           </a:p>
@@ -726,7 +733,7 @@
           <a:p>
             <a:fld id="{88AC8295-7913-44E6-9864-FCFCD2451515}" type="datetimeFigureOut">
               <a:rPr kumimoji="1" lang="ja-JP" altLang="en-US" smtClean="0"/>
-              <a:t>2022/6/10</a:t>
+              <a:t>2022/6/21</a:t>
             </a:fld>
             <a:endParaRPr kumimoji="1" lang="ja-JP" altLang="en-US"/>
           </a:p>
@@ -956,7 +963,7 @@
           <a:p>
             <a:fld id="{88AC8295-7913-44E6-9864-FCFCD2451515}" type="datetimeFigureOut">
               <a:rPr kumimoji="1" lang="ja-JP" altLang="en-US" smtClean="0"/>
-              <a:t>2022/6/10</a:t>
+              <a:t>2022/6/21</a:t>
             </a:fld>
             <a:endParaRPr kumimoji="1" lang="ja-JP" altLang="en-US"/>
           </a:p>
@@ -1231,7 +1238,7 @@
           <a:p>
             <a:fld id="{88AC8295-7913-44E6-9864-FCFCD2451515}" type="datetimeFigureOut">
               <a:rPr kumimoji="1" lang="ja-JP" altLang="en-US" smtClean="0"/>
-              <a:t>2022/6/10</a:t>
+              <a:t>2022/6/21</a:t>
             </a:fld>
             <a:endParaRPr kumimoji="1" lang="ja-JP" altLang="en-US"/>
           </a:p>
@@ -1560,7 +1567,7 @@
           <a:p>
             <a:fld id="{88AC8295-7913-44E6-9864-FCFCD2451515}" type="datetimeFigureOut">
               <a:rPr kumimoji="1" lang="ja-JP" altLang="en-US" smtClean="0"/>
-              <a:t>2022/6/10</a:t>
+              <a:t>2022/6/21</a:t>
             </a:fld>
             <a:endParaRPr kumimoji="1" lang="ja-JP" altLang="en-US"/>
           </a:p>
@@ -2036,7 +2043,7 @@
           <a:p>
             <a:fld id="{88AC8295-7913-44E6-9864-FCFCD2451515}" type="datetimeFigureOut">
               <a:rPr kumimoji="1" lang="ja-JP" altLang="en-US" smtClean="0"/>
-              <a:t>2022/6/10</a:t>
+              <a:t>2022/6/21</a:t>
             </a:fld>
             <a:endParaRPr kumimoji="1" lang="ja-JP" altLang="en-US"/>
           </a:p>
@@ -2177,7 +2184,7 @@
           <a:p>
             <a:fld id="{88AC8295-7913-44E6-9864-FCFCD2451515}" type="datetimeFigureOut">
               <a:rPr kumimoji="1" lang="ja-JP" altLang="en-US" smtClean="0"/>
-              <a:t>2022/6/10</a:t>
+              <a:t>2022/6/21</a:t>
             </a:fld>
             <a:endParaRPr kumimoji="1" lang="ja-JP" altLang="en-US"/>
           </a:p>
@@ -2290,7 +2297,7 @@
           <a:p>
             <a:fld id="{88AC8295-7913-44E6-9864-FCFCD2451515}" type="datetimeFigureOut">
               <a:rPr kumimoji="1" lang="ja-JP" altLang="en-US" smtClean="0"/>
-              <a:t>2022/6/10</a:t>
+              <a:t>2022/6/21</a:t>
             </a:fld>
             <a:endParaRPr kumimoji="1" lang="ja-JP" altLang="en-US"/>
           </a:p>
@@ -2633,7 +2640,7 @@
           <a:p>
             <a:fld id="{88AC8295-7913-44E6-9864-FCFCD2451515}" type="datetimeFigureOut">
               <a:rPr kumimoji="1" lang="ja-JP" altLang="en-US" smtClean="0"/>
-              <a:t>2022/6/10</a:t>
+              <a:t>2022/6/21</a:t>
             </a:fld>
             <a:endParaRPr kumimoji="1" lang="ja-JP" altLang="en-US"/>
           </a:p>
@@ -2921,7 +2928,7 @@
           <a:p>
             <a:fld id="{88AC8295-7913-44E6-9864-FCFCD2451515}" type="datetimeFigureOut">
               <a:rPr kumimoji="1" lang="ja-JP" altLang="en-US" smtClean="0"/>
-              <a:t>2022/6/10</a:t>
+              <a:t>2022/6/21</a:t>
             </a:fld>
             <a:endParaRPr kumimoji="1" lang="ja-JP" altLang="en-US"/>
           </a:p>
@@ -3194,7 +3201,7 @@
           <a:p>
             <a:fld id="{88AC8295-7913-44E6-9864-FCFCD2451515}" type="datetimeFigureOut">
               <a:rPr kumimoji="1" lang="ja-JP" altLang="en-US" smtClean="0"/>
-              <a:t>2022/6/10</a:t>
+              <a:t>2022/6/21</a:t>
             </a:fld>
             <a:endParaRPr kumimoji="1" lang="ja-JP" altLang="en-US"/>
           </a:p>
@@ -6187,6 +6194,363 @@
 </p:sld>
 </file>
 
+<file path=ppt/slides/slide4.xml><?xml version="1.0" encoding="utf-8"?>
+<p:sld xmlns:a="http://schemas.openxmlformats.org/drawingml/2006/main" xmlns:r="http://schemas.openxmlformats.org/officeDocument/2006/relationships" xmlns:p="http://schemas.openxmlformats.org/presentationml/2006/main">
+  <p:cSld>
+    <p:spTree>
+      <p:nvGrpSpPr>
+        <p:cNvPr id="1" name=""/>
+        <p:cNvGrpSpPr/>
+        <p:nvPr/>
+      </p:nvGrpSpPr>
+      <p:grpSpPr>
+        <a:xfrm>
+          <a:off x="0" y="0"/>
+          <a:ext cx="0" cy="0"/>
+          <a:chOff x="0" y="0"/>
+          <a:chExt cx="0" cy="0"/>
+        </a:xfrm>
+      </p:grpSpPr>
+      <p:grpSp>
+        <p:nvGrpSpPr>
+          <p:cNvPr id="8" name="グループ化 7">
+            <a:extLst>
+              <a:ext uri="{FF2B5EF4-FFF2-40B4-BE49-F238E27FC236}">
+                <a16:creationId xmlns:a16="http://schemas.microsoft.com/office/drawing/2014/main" id="{AE37DC3B-92E7-AAB1-361C-E04105D386B7}"/>
+              </a:ext>
+            </a:extLst>
+          </p:cNvPr>
+          <p:cNvGrpSpPr/>
+          <p:nvPr/>
+        </p:nvGrpSpPr>
+        <p:grpSpPr>
+          <a:xfrm>
+            <a:off x="1363362" y="931032"/>
+            <a:ext cx="9465276" cy="5166117"/>
+            <a:chOff x="1363362" y="931032"/>
+            <a:chExt cx="9465276" cy="5166117"/>
+          </a:xfrm>
+        </p:grpSpPr>
+        <p:pic>
+          <p:nvPicPr>
+            <p:cNvPr id="5" name="図 4">
+              <a:extLst>
+                <a:ext uri="{FF2B5EF4-FFF2-40B4-BE49-F238E27FC236}">
+                  <a16:creationId xmlns:a16="http://schemas.microsoft.com/office/drawing/2014/main" id="{5DD4258D-DF4D-DA6E-C248-742A701DD118}"/>
+                </a:ext>
+              </a:extLst>
+            </p:cNvPr>
+            <p:cNvPicPr>
+              <a:picLocks noChangeAspect="1"/>
+            </p:cNvPicPr>
+            <p:nvPr/>
+          </p:nvPicPr>
+          <p:blipFill>
+            <a:blip r:embed="rId2">
+              <a:extLst>
+                <a:ext uri="{28A0092B-C50C-407E-A947-70E740481C1C}">
+                  <a14:useLocalDpi xmlns:a14="http://schemas.microsoft.com/office/drawing/2010/main" val="0"/>
+                </a:ext>
+              </a:extLst>
+            </a:blip>
+            <a:stretch>
+              <a:fillRect/>
+            </a:stretch>
+          </p:blipFill>
+          <p:spPr>
+            <a:xfrm>
+              <a:off x="1363362" y="931032"/>
+              <a:ext cx="9465276" cy="5166117"/>
+            </a:xfrm>
+            <a:prstGeom prst="rect">
+              <a:avLst/>
+            </a:prstGeom>
+          </p:spPr>
+        </p:pic>
+        <mc:AlternateContent xmlns:mc="http://schemas.openxmlformats.org/markup-compatibility/2006">
+          <mc:Choice xmlns:a14="http://schemas.microsoft.com/office/drawing/2010/main" Requires="a14">
+            <p:sp>
+              <p:nvSpPr>
+                <p:cNvPr id="7" name="テキスト ボックス 6">
+                  <a:extLst>
+                    <a:ext uri="{FF2B5EF4-FFF2-40B4-BE49-F238E27FC236}">
+                      <a16:creationId xmlns:a16="http://schemas.microsoft.com/office/drawing/2014/main" id="{515BD45E-CFF0-F8D3-2ACD-D762EA6DC775}"/>
+                    </a:ext>
+                  </a:extLst>
+                </p:cNvPr>
+                <p:cNvSpPr txBox="1"/>
+                <p:nvPr/>
+              </p:nvSpPr>
+              <p:spPr>
+                <a:xfrm rot="16200000">
+                  <a:off x="735515" y="2972166"/>
+                  <a:ext cx="1655805" cy="400110"/>
+                </a:xfrm>
+                <a:prstGeom prst="rect">
+                  <a:avLst/>
+                </a:prstGeom>
+                <a:solidFill>
+                  <a:schemeClr val="bg1"/>
+                </a:solidFill>
+              </p:spPr>
+              <p:txBody>
+                <a:bodyPr wrap="square" rtlCol="0">
+                  <a:spAutoFit/>
+                </a:bodyPr>
+                <a:lstStyle/>
+                <a:p>
+                  <a:pPr algn="ctr"/>
+                  <a14:m>
+                    <m:oMath xmlns:m="http://schemas.openxmlformats.org/officeDocument/2006/math">
+                      <m:r>
+                        <a:rPr kumimoji="1" lang="en-US" altLang="ja-JP" sz="2000" b="0" i="1" smtClean="0">
+                          <a:latin typeface="Cambria Math" panose="02040503050406030204" pitchFamily="18" charset="0"/>
+                          <a:ea typeface="BIZ UDゴシック" panose="020B0400000000000000" pitchFamily="49" charset="-128"/>
+                          <a:cs typeface="Arial" panose="020B0604020202020204" pitchFamily="34" charset="0"/>
+                        </a:rPr>
+                        <m:t>𝜃</m:t>
+                      </m:r>
+                    </m:oMath>
+                  </a14:m>
+                  <a:r>
+                    <a:rPr kumimoji="1" lang="en-US" altLang="ja-JP" sz="2000" dirty="0">
+                      <a:latin typeface="Arial" panose="020B0604020202020204" pitchFamily="34" charset="0"/>
+                      <a:ea typeface="BIZ UDゴシック" panose="020B0400000000000000" pitchFamily="49" charset="-128"/>
+                      <a:cs typeface="Arial" panose="020B0604020202020204" pitchFamily="34" charset="0"/>
+                    </a:rPr>
+                    <a:t> [π]</a:t>
+                  </a:r>
+                </a:p>
+              </p:txBody>
+            </p:sp>
+          </mc:Choice>
+          <mc:Fallback>
+            <p:sp>
+              <p:nvSpPr>
+                <p:cNvPr id="7" name="テキスト ボックス 6">
+                  <a:extLst>
+                    <a:ext uri="{FF2B5EF4-FFF2-40B4-BE49-F238E27FC236}">
+                      <a16:creationId xmlns:a16="http://schemas.microsoft.com/office/drawing/2014/main" id="{515BD45E-CFF0-F8D3-2ACD-D762EA6DC775}"/>
+                    </a:ext>
+                  </a:extLst>
+                </p:cNvPr>
+                <p:cNvSpPr txBox="1">
+                  <a:spLocks noRot="1" noChangeAspect="1" noMove="1" noResize="1" noEditPoints="1" noAdjustHandles="1" noChangeArrowheads="1" noChangeShapeType="1" noTextEdit="1"/>
+                </p:cNvSpPr>
+                <p:nvPr/>
+              </p:nvSpPr>
+              <p:spPr>
+                <a:xfrm rot="16200000">
+                  <a:off x="735515" y="2972166"/>
+                  <a:ext cx="1655805" cy="400110"/>
+                </a:xfrm>
+                <a:prstGeom prst="rect">
+                  <a:avLst/>
+                </a:prstGeom>
+                <a:blipFill>
+                  <a:blip r:embed="rId3"/>
+                  <a:stretch>
+                    <a:fillRect l="-7692" r="-29231"/>
+                  </a:stretch>
+                </a:blipFill>
+              </p:spPr>
+              <p:txBody>
+                <a:bodyPr/>
+                <a:lstStyle/>
+                <a:p>
+                  <a:r>
+                    <a:rPr lang="ja-JP" altLang="en-US">
+                      <a:noFill/>
+                    </a:rPr>
+                    <a:t> </a:t>
+                  </a:r>
+                </a:p>
+              </p:txBody>
+            </p:sp>
+          </mc:Fallback>
+        </mc:AlternateContent>
+      </p:grpSp>
+    </p:spTree>
+    <p:extLst>
+      <p:ext uri="{BB962C8B-B14F-4D97-AF65-F5344CB8AC3E}">
+        <p14:creationId xmlns:p14="http://schemas.microsoft.com/office/powerpoint/2010/main" val="2429164916"/>
+      </p:ext>
+    </p:extLst>
+  </p:cSld>
+  <p:clrMapOvr>
+    <a:masterClrMapping/>
+  </p:clrMapOvr>
+</p:sld>
+</file>
+
+<file path=ppt/slides/slide5.xml><?xml version="1.0" encoding="utf-8"?>
+<p:sld xmlns:a="http://schemas.openxmlformats.org/drawingml/2006/main" xmlns:r="http://schemas.openxmlformats.org/officeDocument/2006/relationships" xmlns:p="http://schemas.openxmlformats.org/presentationml/2006/main">
+  <p:cSld>
+    <p:spTree>
+      <p:nvGrpSpPr>
+        <p:cNvPr id="1" name=""/>
+        <p:cNvGrpSpPr/>
+        <p:nvPr/>
+      </p:nvGrpSpPr>
+      <p:grpSpPr>
+        <a:xfrm>
+          <a:off x="0" y="0"/>
+          <a:ext cx="0" cy="0"/>
+          <a:chOff x="0" y="0"/>
+          <a:chExt cx="0" cy="0"/>
+        </a:xfrm>
+      </p:grpSpPr>
+      <p:pic>
+        <p:nvPicPr>
+          <p:cNvPr id="5" name="図 4">
+            <a:extLst>
+              <a:ext uri="{FF2B5EF4-FFF2-40B4-BE49-F238E27FC236}">
+                <a16:creationId xmlns:a16="http://schemas.microsoft.com/office/drawing/2014/main" id="{76920A8F-38C4-CBE6-D21A-ED204CEF5923}"/>
+              </a:ext>
+            </a:extLst>
+          </p:cNvPr>
+          <p:cNvPicPr>
+            <a:picLocks noChangeAspect="1"/>
+          </p:cNvPicPr>
+          <p:nvPr/>
+        </p:nvPicPr>
+        <p:blipFill>
+          <a:blip r:embed="rId2">
+            <a:extLst>
+              <a:ext uri="{28A0092B-C50C-407E-A947-70E740481C1C}">
+                <a14:useLocalDpi xmlns:a14="http://schemas.microsoft.com/office/drawing/2010/main" val="0"/>
+              </a:ext>
+            </a:extLst>
+          </a:blip>
+          <a:stretch>
+            <a:fillRect/>
+          </a:stretch>
+        </p:blipFill>
+        <p:spPr>
+          <a:xfrm>
+            <a:off x="1935892" y="1097392"/>
+            <a:ext cx="8320216" cy="4663216"/>
+          </a:xfrm>
+          <a:prstGeom prst="rect">
+            <a:avLst/>
+          </a:prstGeom>
+        </p:spPr>
+      </p:pic>
+      <mc:AlternateContent xmlns:mc="http://schemas.openxmlformats.org/markup-compatibility/2006">
+        <mc:Choice xmlns:a14="http://schemas.microsoft.com/office/drawing/2010/main" Requires="a14">
+          <p:sp>
+            <p:nvSpPr>
+              <p:cNvPr id="6" name="テキスト ボックス 5">
+                <a:extLst>
+                  <a:ext uri="{FF2B5EF4-FFF2-40B4-BE49-F238E27FC236}">
+                    <a16:creationId xmlns:a16="http://schemas.microsoft.com/office/drawing/2014/main" id="{E33E9E1D-749E-4875-7B9A-E9AC38B1094F}"/>
+                  </a:ext>
+                </a:extLst>
+              </p:cNvPr>
+              <p:cNvSpPr txBox="1"/>
+              <p:nvPr/>
+            </p:nvSpPr>
+            <p:spPr>
+              <a:xfrm rot="16200000">
+                <a:off x="1308045" y="2939214"/>
+                <a:ext cx="1655805" cy="400110"/>
+              </a:xfrm>
+              <a:prstGeom prst="rect">
+                <a:avLst/>
+              </a:prstGeom>
+              <a:solidFill>
+                <a:schemeClr val="bg1"/>
+              </a:solidFill>
+            </p:spPr>
+            <p:txBody>
+              <a:bodyPr wrap="square" rtlCol="0">
+                <a:spAutoFit/>
+              </a:bodyPr>
+              <a:lstStyle/>
+              <a:p>
+                <a:pPr algn="ctr"/>
+                <a14:m>
+                  <m:oMath xmlns:m="http://schemas.openxmlformats.org/officeDocument/2006/math">
+                    <m:r>
+                      <a:rPr kumimoji="1" lang="en-US" altLang="ja-JP" sz="2000" b="0" i="1" smtClean="0">
+                        <a:latin typeface="Cambria Math" panose="02040503050406030204" pitchFamily="18" charset="0"/>
+                        <a:ea typeface="BIZ UDゴシック" panose="020B0400000000000000" pitchFamily="49" charset="-128"/>
+                        <a:cs typeface="Arial" panose="020B0604020202020204" pitchFamily="34" charset="0"/>
+                      </a:rPr>
+                      <m:t>𝜃</m:t>
+                    </m:r>
+                  </m:oMath>
+                </a14:m>
+                <a:r>
+                  <a:rPr kumimoji="1" lang="en-US" altLang="ja-JP" sz="2000" dirty="0">
+                    <a:latin typeface="Arial" panose="020B0604020202020204" pitchFamily="34" charset="0"/>
+                    <a:ea typeface="BIZ UDゴシック" panose="020B0400000000000000" pitchFamily="49" charset="-128"/>
+                    <a:cs typeface="Arial" panose="020B0604020202020204" pitchFamily="34" charset="0"/>
+                  </a:rPr>
+                  <a:t> [π]</a:t>
+                </a:r>
+              </a:p>
+            </p:txBody>
+          </p:sp>
+        </mc:Choice>
+        <mc:Fallback>
+          <p:sp>
+            <p:nvSpPr>
+              <p:cNvPr id="6" name="テキスト ボックス 5">
+                <a:extLst>
+                  <a:ext uri="{FF2B5EF4-FFF2-40B4-BE49-F238E27FC236}">
+                    <a16:creationId xmlns:a16="http://schemas.microsoft.com/office/drawing/2014/main" id="{E33E9E1D-749E-4875-7B9A-E9AC38B1094F}"/>
+                  </a:ext>
+                </a:extLst>
+              </p:cNvPr>
+              <p:cNvSpPr txBox="1">
+                <a:spLocks noRot="1" noChangeAspect="1" noMove="1" noResize="1" noEditPoints="1" noAdjustHandles="1" noChangeArrowheads="1" noChangeShapeType="1" noTextEdit="1"/>
+              </p:cNvSpPr>
+              <p:nvPr/>
+            </p:nvSpPr>
+            <p:spPr>
+              <a:xfrm rot="16200000">
+                <a:off x="1308045" y="2939214"/>
+                <a:ext cx="1655805" cy="400110"/>
+              </a:xfrm>
+              <a:prstGeom prst="rect">
+                <a:avLst/>
+              </a:prstGeom>
+              <a:blipFill>
+                <a:blip r:embed="rId3"/>
+                <a:stretch>
+                  <a:fillRect l="-7692" r="-29231"/>
+                </a:stretch>
+              </a:blipFill>
+            </p:spPr>
+            <p:txBody>
+              <a:bodyPr/>
+              <a:lstStyle/>
+              <a:p>
+                <a:r>
+                  <a:rPr lang="ja-JP" altLang="en-US">
+                    <a:noFill/>
+                  </a:rPr>
+                  <a:t> </a:t>
+                </a:r>
+              </a:p>
+            </p:txBody>
+          </p:sp>
+        </mc:Fallback>
+      </mc:AlternateContent>
+    </p:spTree>
+    <p:extLst>
+      <p:ext uri="{BB962C8B-B14F-4D97-AF65-F5344CB8AC3E}">
+        <p14:creationId xmlns:p14="http://schemas.microsoft.com/office/powerpoint/2010/main" val="347803856"/>
+      </p:ext>
+    </p:extLst>
+  </p:cSld>
+  <p:clrMapOvr>
+    <a:masterClrMapping/>
+  </p:clrMapOvr>
+</p:sld>
+</file>
+
 <file path=ppt/theme/theme1.xml><?xml version="1.0" encoding="utf-8"?>
 <a:theme xmlns:a="http://schemas.openxmlformats.org/drawingml/2006/main" name="Office テーマ">
   <a:themeElements>
